--- a/docs/EduShare_prezentacio.pptx
+++ b/docs/EduShare_prezentacio.pptx
@@ -2035,12 +2035,7 @@
           <a:bodyPr/>
           <a:lstStyle/>
           <a:p>
-            <a:r>
-              <a:rPr lang="en-US"/>
-              <a:t>Lehet, hogy az AI által létrehozott tartalom helytelen.
----
-</a:t>
-            </a:r>
+            <a:endParaRPr lang="en-US" dirty="0"/>
           </a:p>
         </p:txBody>
       </p:sp>
@@ -35695,15 +35690,6 @@
 </file>
 
 <file path=customXml/item1.xml><?xml version="1.0" encoding="utf-8"?>
-<?mso-contentType ?>
-<FormTemplates xmlns="http://schemas.microsoft.com/sharepoint/v3/contenttype/forms">
-  <Display>DocumentLibraryForm</Display>
-  <Edit>DocumentLibraryForm</Edit>
-  <New>DocumentLibraryForm</New>
-</FormTemplates>
-</file>
-
-<file path=customXml/item2.xml><?xml version="1.0" encoding="utf-8"?>
 <ct:contentTypeSchema xmlns:ct="http://schemas.microsoft.com/office/2006/metadata/contentType" xmlns:ma="http://schemas.microsoft.com/office/2006/metadata/properties/metaAttributes" ct:_="" ma:_="" ma:contentTypeName="Document" ma:contentTypeID="0x010100F70BD21B179B1749B10B6700D890B8C6" ma:contentTypeVersion="30" ma:contentTypeDescription="Create a new document." ma:contentTypeScope="" ma:versionID="a13b221ee5b949bd1d4a5301a6f516f4">
   <xsd:schema xmlns:xsd="http://www.w3.org/2001/XMLSchema" xmlns:xs="http://www.w3.org/2001/XMLSchema" xmlns:p="http://schemas.microsoft.com/office/2006/metadata/properties" xmlns:ns1="http://schemas.microsoft.com/sharepoint/v3" xmlns:ns2="9e626b82-2e62-4b56-b4f0-2eb243f478f4" xmlns:ns3="230e9df3-be65-4c73-a93b-d1236ebd677e" xmlns:ns4="543e3375-4853-4ccc-a3e2-1512ebb9cffd" targetNamespace="http://schemas.microsoft.com/office/2006/metadata/properties" ma:root="true" ma:fieldsID="233e7f4977957a9e20bc87caea750b4e" ns1:_="" ns2:_="" ns3:_="" ns4:_="">
     <xsd:import namespace="http://schemas.microsoft.com/sharepoint/v3"/>
@@ -36059,6 +36045,15 @@
 </ct:contentTypeSchema>
 </file>
 
+<file path=customXml/item2.xml><?xml version="1.0" encoding="utf-8"?>
+<?mso-contentType ?>
+<FormTemplates xmlns="http://schemas.microsoft.com/sharepoint/v3/contenttype/forms">
+  <Display>DocumentLibraryForm</Display>
+  <Edit>DocumentLibraryForm</Edit>
+  <New>DocumentLibraryForm</New>
+</FormTemplates>
+</file>
+
 <file path=customXml/item3.xml><?xml version="1.0" encoding="utf-8"?>
 <p:properties xmlns:p="http://schemas.microsoft.com/office/2006/metadata/properties" xmlns:xsi="http://www.w3.org/2001/XMLSchema-instance" xmlns:pc="http://schemas.microsoft.com/office/infopath/2007/PartnerControls">
   <documentManagement>
@@ -36078,14 +36073,6 @@
 </file>
 
 <file path=customXml/itemProps1.xml><?xml version="1.0" encoding="utf-8"?>
-<ds:datastoreItem xmlns:ds="http://schemas.openxmlformats.org/officeDocument/2006/customXml" ds:itemID="{89D41049-A82A-4B5B-8ABC-9F045EF9F078}">
-  <ds:schemaRefs>
-    <ds:schemaRef ds:uri="http://schemas.microsoft.com/sharepoint/v3/contenttype/forms"/>
-  </ds:schemaRefs>
-</ds:datastoreItem>
-</file>
-
-<file path=customXml/itemProps2.xml><?xml version="1.0" encoding="utf-8"?>
 <ds:datastoreItem xmlns:ds="http://schemas.openxmlformats.org/officeDocument/2006/customXml" ds:itemID="{A97C25D3-0E80-4709-B169-65E58EC23828}">
   <ds:schemaRefs>
     <ds:schemaRef ds:uri="http://schemas.microsoft.com/office/2006/metadata/contentType"/>
@@ -36106,6 +36093,14 @@
 </ds:datastoreItem>
 </file>
 
+<file path=customXml/itemProps2.xml><?xml version="1.0" encoding="utf-8"?>
+<ds:datastoreItem xmlns:ds="http://schemas.openxmlformats.org/officeDocument/2006/customXml" ds:itemID="{89D41049-A82A-4B5B-8ABC-9F045EF9F078}">
+  <ds:schemaRefs>
+    <ds:schemaRef ds:uri="http://schemas.microsoft.com/sharepoint/v3/contenttype/forms"/>
+  </ds:schemaRefs>
+</ds:datastoreItem>
+</file>
+
 <file path=customXml/itemProps3.xml><?xml version="1.0" encoding="utf-8"?>
 <ds:datastoreItem xmlns:ds="http://schemas.openxmlformats.org/officeDocument/2006/customXml" ds:itemID="{0070BEB4-FB24-4E84-B3BB-971EAA4E97D2}">
   <ds:schemaRefs>
